--- a/Documentatie/Project 3 Bank.pptx
+++ b/Documentatie/Project 3 Bank.pptx
@@ -243,7 +243,7 @@
             <a:fld id="{CF62EBC8-870A-4832-A3B8-6310D7817D0D}" type="datetime1">
               <a:rPr lang="nl-NL" smtClean="0"/>
               <a:pPr algn="r" rtl="0"/>
-              <a:t>25-3-2018</a:t>
+              <a:t>27-3-2018</a:t>
             </a:fld>
             <a:endParaRPr lang="nl-NL" dirty="0"/>
           </a:p>
@@ -413,7 +413,7 @@
             <a:fld id="{C2C6F946-26EF-4139-A4CC-50BE60316263}" type="datetime1">
               <a:rPr lang="nl-NL" smtClean="0"/>
               <a:pPr/>
-              <a:t>25-3-2018</a:t>
+              <a:t>27-3-2018</a:t>
             </a:fld>
             <a:endParaRPr lang="nl-NL" dirty="0"/>
           </a:p>
@@ -1616,7 +1616,7 @@
             <a:fld id="{81533030-B54D-4E1D-9DF2-101E18EB0C25}" type="datetime1">
               <a:rPr lang="nl-NL" smtClean="0"/>
               <a:pPr/>
-              <a:t>25-3-2018</a:t>
+              <a:t>27-3-2018</a:t>
             </a:fld>
             <a:endParaRPr lang="nl-NL" dirty="0"/>
           </a:p>
@@ -1822,7 +1822,7 @@
             <a:fld id="{C402BEE1-B3B4-4AD9-9C4A-364FF0A0EAD7}" type="datetime1">
               <a:rPr lang="nl-NL" smtClean="0"/>
               <a:pPr/>
-              <a:t>25-3-2018</a:t>
+              <a:t>27-3-2018</a:t>
             </a:fld>
             <a:endParaRPr lang="nl-NL" dirty="0"/>
           </a:p>
@@ -2038,7 +2038,7 @@
             <a:fld id="{397458A3-3D63-4469-BA76-1CBC46D41863}" type="datetime1">
               <a:rPr lang="nl-NL" smtClean="0"/>
               <a:pPr/>
-              <a:t>25-3-2018</a:t>
+              <a:t>27-3-2018</a:t>
             </a:fld>
             <a:endParaRPr lang="nl-NL" dirty="0"/>
           </a:p>
@@ -2244,7 +2244,7 @@
             <a:fld id="{113F02B2-1431-4AD3-9831-8FA0B85B856B}" type="datetime1">
               <a:rPr lang="nl-NL" smtClean="0"/>
               <a:pPr/>
-              <a:t>25-3-2018</a:t>
+              <a:t>27-3-2018</a:t>
             </a:fld>
             <a:endParaRPr lang="nl-NL" dirty="0"/>
           </a:p>
@@ -2684,7 +2684,7 @@
             <a:fld id="{85346FBF-6E06-4668-8761-6C388A07E27A}" type="datetime1">
               <a:rPr lang="nl-NL" smtClean="0"/>
               <a:pPr/>
-              <a:t>25-3-2018</a:t>
+              <a:t>27-3-2018</a:t>
             </a:fld>
             <a:endParaRPr lang="nl-NL" dirty="0"/>
           </a:p>
@@ -2996,7 +2996,7 @@
             <a:fld id="{23312813-50D9-4C1C-A1EB-966B7EDA57A6}" type="datetime1">
               <a:rPr lang="nl-NL" smtClean="0"/>
               <a:pPr/>
-              <a:t>25-3-2018</a:t>
+              <a:t>27-3-2018</a:t>
             </a:fld>
             <a:endParaRPr lang="nl-NL" dirty="0"/>
           </a:p>
@@ -3460,7 +3460,7 @@
             <a:fld id="{F37F2428-0A3C-4053-826C-DB44A180E1D2}" type="datetime1">
               <a:rPr lang="nl-NL" smtClean="0"/>
               <a:pPr/>
-              <a:t>25-3-2018</a:t>
+              <a:t>27-3-2018</a:t>
             </a:fld>
             <a:endParaRPr lang="nl-NL" dirty="0"/>
           </a:p>
@@ -3598,7 +3598,7 @@
             <a:fld id="{05B74CA1-D974-43BD-9F5A-D3B3C41D8809}" type="datetime1">
               <a:rPr lang="nl-NL" smtClean="0"/>
               <a:pPr/>
-              <a:t>25-3-2018</a:t>
+              <a:t>27-3-2018</a:t>
             </a:fld>
             <a:endParaRPr lang="nl-NL" dirty="0"/>
           </a:p>
@@ -3712,7 +3712,7 @@
             <a:fld id="{AE16C345-0E0A-4756-8AB9-DB73A91B5F7C}" type="datetime1">
               <a:rPr lang="nl-NL" smtClean="0"/>
               <a:pPr/>
-              <a:t>25-3-2018</a:t>
+              <a:t>27-3-2018</a:t>
             </a:fld>
             <a:endParaRPr lang="nl-NL" dirty="0"/>
           </a:p>
@@ -4019,7 +4019,7 @@
             <a:fld id="{06782752-B68B-49C5-85CB-2680C737278B}" type="datetime1">
               <a:rPr lang="nl-NL" smtClean="0"/>
               <a:pPr/>
-              <a:t>25-3-2018</a:t>
+              <a:t>27-3-2018</a:t>
             </a:fld>
             <a:endParaRPr lang="nl-NL" dirty="0"/>
           </a:p>
@@ -4316,7 +4316,7 @@
             <a:fld id="{B8C3F3F2-508D-4C33-A172-A2C39F7A419D}" type="datetime1">
               <a:rPr lang="nl-NL" smtClean="0"/>
               <a:pPr/>
-              <a:t>25-3-2018</a:t>
+              <a:t>27-3-2018</a:t>
             </a:fld>
             <a:endParaRPr lang="nl-NL" dirty="0"/>
           </a:p>
@@ -4940,7 +4940,7 @@
             <a:fld id="{B9A15B82-ED5E-4D1F-93F8-A83EE8830D9D}" type="datetime1">
               <a:rPr lang="nl-NL" smtClean="0"/>
               <a:pPr/>
-              <a:t>25-3-2018</a:t>
+              <a:t>27-3-2018</a:t>
             </a:fld>
             <a:endParaRPr lang="nl-NL" dirty="0"/>
           </a:p>
@@ -6730,14 +6730,21 @@
           <a:p>
             <a:r>
               <a:rPr lang="nl-NL" dirty="0"/>
-              <a:t>- “Alle activiteiten van gebruikers, inclusief inlogpogingen bezoeken van pagina’s en transacties worden gelogd in de database”</a:t>
-            </a:r>
-          </a:p>
-          <a:p>
+              <a:t>- Alle </a:t>
+            </a:r>
+            <a:r>
+              <a:rPr lang="nl-NL" dirty="0" err="1"/>
+              <a:t>musthaves</a:t>
+            </a:r>
             <a:r>
               <a:rPr lang="nl-NL" dirty="0"/>
-              <a:t>(Wel tabel in database maar geen integratie met de bank)</a:t>
-            </a:r>
+              <a:t> </a:t>
+            </a:r>
+            <a:r>
+              <a:rPr lang="nl-NL"/>
+              <a:t>zijn gemaakt</a:t>
+            </a:r>
+            <a:endParaRPr lang="nl-NL" dirty="0"/>
           </a:p>
         </p:txBody>
       </p:sp>
@@ -9094,139 +9101,12 @@
 </file>
 
 <file path=customXml/item1.xml><?xml version="1.0" encoding="utf-8"?>
-<p:properties xmlns:p="http://schemas.microsoft.com/office/2006/metadata/properties" xmlns:xsi="http://www.w3.org/2001/XMLSchema-instance" xmlns:pc="http://schemas.microsoft.com/office/infopath/2007/PartnerControls">
-  <documentManagement>
-    <LocPublishedLinkedAssetsLookup xmlns="4873beb7-5857-4685-be1f-d57550cc96cc" xsi:nil="true"/>
-    <ApprovalStatus xmlns="4873beb7-5857-4685-be1f-d57550cc96cc">InProgress</ApprovalStatus>
-    <MarketSpecific xmlns="4873beb7-5857-4685-be1f-d57550cc96cc">false</MarketSpecific>
-    <LocComments xmlns="4873beb7-5857-4685-be1f-d57550cc96cc" xsi:nil="true"/>
-    <LocLastLocAttemptVersionTypeLookup xmlns="4873beb7-5857-4685-be1f-d57550cc96cc" xsi:nil="true"/>
-    <DirectSourceMarket xmlns="4873beb7-5857-4685-be1f-d57550cc96cc" xsi:nil="true"/>
-    <ThumbnailAssetId xmlns="4873beb7-5857-4685-be1f-d57550cc96cc" xsi:nil="true"/>
-    <PrimaryImageGen xmlns="4873beb7-5857-4685-be1f-d57550cc96cc">false</PrimaryImageGen>
-    <LocNewPublishedVersionLookup xmlns="4873beb7-5857-4685-be1f-d57550cc96cc" xsi:nil="true"/>
-    <LegacyData xmlns="4873beb7-5857-4685-be1f-d57550cc96cc" xsi:nil="true"/>
-    <LocRecommendedHandoff xmlns="4873beb7-5857-4685-be1f-d57550cc96cc" xsi:nil="true"/>
-    <BusinessGroup xmlns="4873beb7-5857-4685-be1f-d57550cc96cc" xsi:nil="true"/>
-    <BlockPublish xmlns="4873beb7-5857-4685-be1f-d57550cc96cc">false</BlockPublish>
-    <TPFriendlyName xmlns="4873beb7-5857-4685-be1f-d57550cc96cc" xsi:nil="true"/>
-    <LocOverallPublishStatusLookup xmlns="4873beb7-5857-4685-be1f-d57550cc96cc" xsi:nil="true"/>
-    <NumericId xmlns="4873beb7-5857-4685-be1f-d57550cc96cc" xsi:nil="true"/>
-    <APEditor xmlns="4873beb7-5857-4685-be1f-d57550cc96cc">
-      <UserInfo>
-        <DisplayName/>
-        <AccountId xsi:nil="true"/>
-        <AccountType/>
-      </UserInfo>
-    </APEditor>
-    <SourceTitle xmlns="4873beb7-5857-4685-be1f-d57550cc96cc" xsi:nil="true"/>
-    <OpenTemplate xmlns="4873beb7-5857-4685-be1f-d57550cc96cc">true</OpenTemplate>
-    <LocOverallLocStatusLookup xmlns="4873beb7-5857-4685-be1f-d57550cc96cc" xsi:nil="true"/>
-    <UALocComments xmlns="4873beb7-5857-4685-be1f-d57550cc96cc" xsi:nil="true"/>
-    <ParentAssetId xmlns="4873beb7-5857-4685-be1f-d57550cc96cc" xsi:nil="true"/>
-    <IntlLangReviewDate xmlns="4873beb7-5857-4685-be1f-d57550cc96cc" xsi:nil="true"/>
-    <FeatureTagsTaxHTField0 xmlns="4873beb7-5857-4685-be1f-d57550cc96cc">
-      <Terms xmlns="http://schemas.microsoft.com/office/infopath/2007/PartnerControls"/>
-    </FeatureTagsTaxHTField0>
-    <PublishStatusLookup xmlns="4873beb7-5857-4685-be1f-d57550cc96cc">
-      <Value>1345093</Value>
-    </PublishStatusLookup>
-    <Providers xmlns="4873beb7-5857-4685-be1f-d57550cc96cc" xsi:nil="true"/>
-    <MachineTranslated xmlns="4873beb7-5857-4685-be1f-d57550cc96cc">false</MachineTranslated>
-    <OriginalSourceMarket xmlns="4873beb7-5857-4685-be1f-d57550cc96cc" xsi:nil="true"/>
-    <APDescription xmlns="4873beb7-5857-4685-be1f-d57550cc96cc">This simple template design works for technology and  businesses, but it's versatile enough to use in other contexts.  It features multiple slide layouts designed for widescreen (16x9 resolution) and includes a sample SmartArt list and chart that are easily editable.</APDescription>
-    <ClipArtFilename xmlns="4873beb7-5857-4685-be1f-d57550cc96cc" xsi:nil="true"/>
-    <ContentItem xmlns="4873beb7-5857-4685-be1f-d57550cc96cc" xsi:nil="true"/>
-    <TPInstallLocation xmlns="4873beb7-5857-4685-be1f-d57550cc96cc" xsi:nil="true"/>
-    <PublishTargets xmlns="4873beb7-5857-4685-be1f-d57550cc96cc">OfficeOnlineVNext</PublishTargets>
-    <TimesCloned xmlns="4873beb7-5857-4685-be1f-d57550cc96cc" xsi:nil="true"/>
-    <AssetStart xmlns="4873beb7-5857-4685-be1f-d57550cc96cc">2011-11-26T00:30:00+00:00</AssetStart>
-    <Provider xmlns="4873beb7-5857-4685-be1f-d57550cc96cc" xsi:nil="true"/>
-    <AcquiredFrom xmlns="4873beb7-5857-4685-be1f-d57550cc96cc">Internal MS</AcquiredFrom>
-    <FriendlyTitle xmlns="4873beb7-5857-4685-be1f-d57550cc96cc" xsi:nil="true"/>
-    <LastHandOff xmlns="4873beb7-5857-4685-be1f-d57550cc96cc" xsi:nil="true"/>
-    <TPClientViewer xmlns="4873beb7-5857-4685-be1f-d57550cc96cc" xsi:nil="true"/>
-    <TemplateStatus xmlns="4873beb7-5857-4685-be1f-d57550cc96cc">Complete</TemplateStatus>
-    <Downloads xmlns="4873beb7-5857-4685-be1f-d57550cc96cc">0</Downloads>
-    <OOCacheId xmlns="4873beb7-5857-4685-be1f-d57550cc96cc" xsi:nil="true"/>
-    <IsDeleted xmlns="4873beb7-5857-4685-be1f-d57550cc96cc">false</IsDeleted>
-    <LocPublishedDependentAssetsLookup xmlns="4873beb7-5857-4685-be1f-d57550cc96cc" xsi:nil="true"/>
-    <TPExecutable xmlns="4873beb7-5857-4685-be1f-d57550cc96cc" xsi:nil="true"/>
-    <EditorialTags xmlns="4873beb7-5857-4685-be1f-d57550cc96cc" xsi:nil="true"/>
-    <SubmitterId xmlns="4873beb7-5857-4685-be1f-d57550cc96cc" xsi:nil="true"/>
-    <ApprovalLog xmlns="4873beb7-5857-4685-be1f-d57550cc96cc" xsi:nil="true"/>
-    <AssetType xmlns="4873beb7-5857-4685-be1f-d57550cc96cc">TP</AssetType>
-    <BugNumber xmlns="4873beb7-5857-4685-be1f-d57550cc96cc" xsi:nil="true"/>
-    <CSXSubmissionDate xmlns="4873beb7-5857-4685-be1f-d57550cc96cc" xsi:nil="true"/>
-    <CSXUpdate xmlns="4873beb7-5857-4685-be1f-d57550cc96cc">false</CSXUpdate>
-    <Milestone xmlns="4873beb7-5857-4685-be1f-d57550cc96cc" xsi:nil="true"/>
-    <RecommendationsModifier xmlns="4873beb7-5857-4685-be1f-d57550cc96cc" xsi:nil="true"/>
-    <OriginAsset xmlns="4873beb7-5857-4685-be1f-d57550cc96cc" xsi:nil="true"/>
-    <TPComponent xmlns="4873beb7-5857-4685-be1f-d57550cc96cc" xsi:nil="true"/>
-    <AssetId xmlns="4873beb7-5857-4685-be1f-d57550cc96cc">TP102787989</AssetId>
-    <IntlLocPriority xmlns="4873beb7-5857-4685-be1f-d57550cc96cc" xsi:nil="true"/>
-    <PolicheckWords xmlns="4873beb7-5857-4685-be1f-d57550cc96cc" xsi:nil="true"/>
-    <TPLaunchHelpLink xmlns="4873beb7-5857-4685-be1f-d57550cc96cc" xsi:nil="true"/>
-    <TPApplication xmlns="4873beb7-5857-4685-be1f-d57550cc96cc" xsi:nil="true"/>
-    <CrawlForDependencies xmlns="4873beb7-5857-4685-be1f-d57550cc96cc">false</CrawlForDependencies>
-    <HandoffToMSDN xmlns="4873beb7-5857-4685-be1f-d57550cc96cc" xsi:nil="true"/>
-    <PlannedPubDate xmlns="4873beb7-5857-4685-be1f-d57550cc96cc" xsi:nil="true"/>
-    <IntlLangReviewer xmlns="4873beb7-5857-4685-be1f-d57550cc96cc" xsi:nil="true"/>
-    <TrustLevel xmlns="4873beb7-5857-4685-be1f-d57550cc96cc">1 Microsoft Managed Content</TrustLevel>
-    <LocLastLocAttemptVersionLookup xmlns="4873beb7-5857-4685-be1f-d57550cc96cc">694266</LocLastLocAttemptVersionLookup>
-    <LocProcessedForHandoffsLookup xmlns="4873beb7-5857-4685-be1f-d57550cc96cc" xsi:nil="true"/>
-    <IsSearchable xmlns="4873beb7-5857-4685-be1f-d57550cc96cc">true</IsSearchable>
-    <TemplateTemplateType xmlns="4873beb7-5857-4685-be1f-d57550cc96cc">PowerPoint Presentation Template</TemplateTemplateType>
-    <CampaignTagsTaxHTField0 xmlns="4873beb7-5857-4685-be1f-d57550cc96cc">
-      <Terms xmlns="http://schemas.microsoft.com/office/infopath/2007/PartnerControls"/>
-    </CampaignTagsTaxHTField0>
-    <TPNamespace xmlns="4873beb7-5857-4685-be1f-d57550cc96cc" xsi:nil="true"/>
-    <LocOverallPreviewStatusLookup xmlns="4873beb7-5857-4685-be1f-d57550cc96cc" xsi:nil="true"/>
-    <TaxCatchAll xmlns="4873beb7-5857-4685-be1f-d57550cc96cc"/>
-    <Markets xmlns="4873beb7-5857-4685-be1f-d57550cc96cc"/>
-    <UAProjectedTotalWords xmlns="4873beb7-5857-4685-be1f-d57550cc96cc" xsi:nil="true"/>
-    <IntlLangReview xmlns="4873beb7-5857-4685-be1f-d57550cc96cc" xsi:nil="true"/>
-    <OutputCachingOn xmlns="4873beb7-5857-4685-be1f-d57550cc96cc">false</OutputCachingOn>
-    <AverageRating xmlns="4873beb7-5857-4685-be1f-d57550cc96cc" xsi:nil="true"/>
-    <APAuthor xmlns="4873beb7-5857-4685-be1f-d57550cc96cc">
-      <UserInfo>
-        <DisplayName>REDMOND\kristaa</DisplayName>
-        <AccountId>136</AccountId>
-        <AccountType/>
-      </UserInfo>
-    </APAuthor>
-    <LocManualTestRequired xmlns="4873beb7-5857-4685-be1f-d57550cc96cc">false</LocManualTestRequired>
-    <TPCommandLine xmlns="4873beb7-5857-4685-be1f-d57550cc96cc" xsi:nil="true"/>
-    <TPAppVersion xmlns="4873beb7-5857-4685-be1f-d57550cc96cc" xsi:nil="true"/>
-    <EditorialStatus xmlns="4873beb7-5857-4685-be1f-d57550cc96cc">Complete</EditorialStatus>
-    <LastModifiedDateTime xmlns="4873beb7-5857-4685-be1f-d57550cc96cc" xsi:nil="true"/>
-    <ScenarioTagsTaxHTField0 xmlns="4873beb7-5857-4685-be1f-d57550cc96cc">
-      <Terms xmlns="http://schemas.microsoft.com/office/infopath/2007/PartnerControls"/>
-    </ScenarioTagsTaxHTField0>
-    <LocProcessedForMarketsLookup xmlns="4873beb7-5857-4685-be1f-d57550cc96cc" xsi:nil="true"/>
-    <TPLaunchHelpLinkType xmlns="4873beb7-5857-4685-be1f-d57550cc96cc">Template</TPLaunchHelpLinkType>
-    <OriginalRelease xmlns="4873beb7-5857-4685-be1f-d57550cc96cc">15</OriginalRelease>
-    <LocalizationTagsTaxHTField0 xmlns="4873beb7-5857-4685-be1f-d57550cc96cc">
-      <Terms xmlns="http://schemas.microsoft.com/office/infopath/2007/PartnerControls"/>
-    </LocalizationTagsTaxHTField0>
-    <UACurrentWords xmlns="4873beb7-5857-4685-be1f-d57550cc96cc" xsi:nil="true"/>
-    <ArtSampleDocs xmlns="4873beb7-5857-4685-be1f-d57550cc96cc" xsi:nil="true"/>
-    <UALocRecommendation xmlns="4873beb7-5857-4685-be1f-d57550cc96cc">Localize</UALocRecommendation>
-    <Manager xmlns="4873beb7-5857-4685-be1f-d57550cc96cc" xsi:nil="true"/>
-    <LocOverallHandbackStatusLookup xmlns="4873beb7-5857-4685-be1f-d57550cc96cc" xsi:nil="true"/>
-    <ShowIn xmlns="4873beb7-5857-4685-be1f-d57550cc96cc">Show everywhere</ShowIn>
-    <UANotes xmlns="4873beb7-5857-4685-be1f-d57550cc96cc" xsi:nil="true"/>
-    <InternalTagsTaxHTField0 xmlns="4873beb7-5857-4685-be1f-d57550cc96cc">
-      <Terms xmlns="http://schemas.microsoft.com/office/infopath/2007/PartnerControls"/>
-    </InternalTagsTaxHTField0>
-    <CSXHash xmlns="4873beb7-5857-4685-be1f-d57550cc96cc" xsi:nil="true"/>
-    <VoteCount xmlns="4873beb7-5857-4685-be1f-d57550cc96cc" xsi:nil="true"/>
-    <AssetExpire xmlns="4873beb7-5857-4685-be1f-d57550cc96cc">2029-05-12T07:00:00+00:00</AssetExpire>
-    <DSATActionTaken xmlns="4873beb7-5857-4685-be1f-d57550cc96cc" xsi:nil="true"/>
-    <CSXSubmissionMarket xmlns="4873beb7-5857-4685-be1f-d57550cc96cc" xsi:nil="true"/>
-    <LocMarketGroupTiers2 xmlns="4873beb7-5857-4685-be1f-d57550cc96cc" xsi:nil="true"/>
-  </documentManagement>
-</p:properties>
+<?mso-contentType ?>
+<FormTemplates xmlns="http://schemas.microsoft.com/sharepoint/v3/contenttype/forms">
+  <Display>DocumentLibraryForm</Display>
+  <Edit>AssetEditForm</Edit>
+  <New>DocumentLibraryForm</New>
+</FormTemplates>
 </file>
 
 <file path=customXml/item2.xml><?xml version="1.0" encoding="utf-8"?>
@@ -10270,26 +10150,145 @@
 </file>
 
 <file path=customXml/item3.xml><?xml version="1.0" encoding="utf-8"?>
-<?mso-contentType ?>
-<FormTemplates xmlns="http://schemas.microsoft.com/sharepoint/v3/contenttype/forms">
-  <Display>DocumentLibraryForm</Display>
-  <Edit>AssetEditForm</Edit>
-  <New>DocumentLibraryForm</New>
-</FormTemplates>
+<p:properties xmlns:p="http://schemas.microsoft.com/office/2006/metadata/properties" xmlns:xsi="http://www.w3.org/2001/XMLSchema-instance" xmlns:pc="http://schemas.microsoft.com/office/infopath/2007/PartnerControls">
+  <documentManagement>
+    <LocPublishedLinkedAssetsLookup xmlns="4873beb7-5857-4685-be1f-d57550cc96cc" xsi:nil="true"/>
+    <ApprovalStatus xmlns="4873beb7-5857-4685-be1f-d57550cc96cc">InProgress</ApprovalStatus>
+    <MarketSpecific xmlns="4873beb7-5857-4685-be1f-d57550cc96cc">false</MarketSpecific>
+    <LocComments xmlns="4873beb7-5857-4685-be1f-d57550cc96cc" xsi:nil="true"/>
+    <LocLastLocAttemptVersionTypeLookup xmlns="4873beb7-5857-4685-be1f-d57550cc96cc" xsi:nil="true"/>
+    <DirectSourceMarket xmlns="4873beb7-5857-4685-be1f-d57550cc96cc" xsi:nil="true"/>
+    <ThumbnailAssetId xmlns="4873beb7-5857-4685-be1f-d57550cc96cc" xsi:nil="true"/>
+    <PrimaryImageGen xmlns="4873beb7-5857-4685-be1f-d57550cc96cc">false</PrimaryImageGen>
+    <LocNewPublishedVersionLookup xmlns="4873beb7-5857-4685-be1f-d57550cc96cc" xsi:nil="true"/>
+    <LegacyData xmlns="4873beb7-5857-4685-be1f-d57550cc96cc" xsi:nil="true"/>
+    <LocRecommendedHandoff xmlns="4873beb7-5857-4685-be1f-d57550cc96cc" xsi:nil="true"/>
+    <BusinessGroup xmlns="4873beb7-5857-4685-be1f-d57550cc96cc" xsi:nil="true"/>
+    <BlockPublish xmlns="4873beb7-5857-4685-be1f-d57550cc96cc">false</BlockPublish>
+    <TPFriendlyName xmlns="4873beb7-5857-4685-be1f-d57550cc96cc" xsi:nil="true"/>
+    <LocOverallPublishStatusLookup xmlns="4873beb7-5857-4685-be1f-d57550cc96cc" xsi:nil="true"/>
+    <NumericId xmlns="4873beb7-5857-4685-be1f-d57550cc96cc" xsi:nil="true"/>
+    <APEditor xmlns="4873beb7-5857-4685-be1f-d57550cc96cc">
+      <UserInfo>
+        <DisplayName/>
+        <AccountId xsi:nil="true"/>
+        <AccountType/>
+      </UserInfo>
+    </APEditor>
+    <SourceTitle xmlns="4873beb7-5857-4685-be1f-d57550cc96cc" xsi:nil="true"/>
+    <OpenTemplate xmlns="4873beb7-5857-4685-be1f-d57550cc96cc">true</OpenTemplate>
+    <LocOverallLocStatusLookup xmlns="4873beb7-5857-4685-be1f-d57550cc96cc" xsi:nil="true"/>
+    <UALocComments xmlns="4873beb7-5857-4685-be1f-d57550cc96cc" xsi:nil="true"/>
+    <ParentAssetId xmlns="4873beb7-5857-4685-be1f-d57550cc96cc" xsi:nil="true"/>
+    <IntlLangReviewDate xmlns="4873beb7-5857-4685-be1f-d57550cc96cc" xsi:nil="true"/>
+    <FeatureTagsTaxHTField0 xmlns="4873beb7-5857-4685-be1f-d57550cc96cc">
+      <Terms xmlns="http://schemas.microsoft.com/office/infopath/2007/PartnerControls"/>
+    </FeatureTagsTaxHTField0>
+    <PublishStatusLookup xmlns="4873beb7-5857-4685-be1f-d57550cc96cc">
+      <Value>1345093</Value>
+    </PublishStatusLookup>
+    <Providers xmlns="4873beb7-5857-4685-be1f-d57550cc96cc" xsi:nil="true"/>
+    <MachineTranslated xmlns="4873beb7-5857-4685-be1f-d57550cc96cc">false</MachineTranslated>
+    <OriginalSourceMarket xmlns="4873beb7-5857-4685-be1f-d57550cc96cc" xsi:nil="true"/>
+    <APDescription xmlns="4873beb7-5857-4685-be1f-d57550cc96cc">This simple template design works for technology and  businesses, but it's versatile enough to use in other contexts.  It features multiple slide layouts designed for widescreen (16x9 resolution) and includes a sample SmartArt list and chart that are easily editable.</APDescription>
+    <ClipArtFilename xmlns="4873beb7-5857-4685-be1f-d57550cc96cc" xsi:nil="true"/>
+    <ContentItem xmlns="4873beb7-5857-4685-be1f-d57550cc96cc" xsi:nil="true"/>
+    <TPInstallLocation xmlns="4873beb7-5857-4685-be1f-d57550cc96cc" xsi:nil="true"/>
+    <PublishTargets xmlns="4873beb7-5857-4685-be1f-d57550cc96cc">OfficeOnlineVNext</PublishTargets>
+    <TimesCloned xmlns="4873beb7-5857-4685-be1f-d57550cc96cc" xsi:nil="true"/>
+    <AssetStart xmlns="4873beb7-5857-4685-be1f-d57550cc96cc">2011-11-26T00:30:00+00:00</AssetStart>
+    <Provider xmlns="4873beb7-5857-4685-be1f-d57550cc96cc" xsi:nil="true"/>
+    <AcquiredFrom xmlns="4873beb7-5857-4685-be1f-d57550cc96cc">Internal MS</AcquiredFrom>
+    <FriendlyTitle xmlns="4873beb7-5857-4685-be1f-d57550cc96cc" xsi:nil="true"/>
+    <LastHandOff xmlns="4873beb7-5857-4685-be1f-d57550cc96cc" xsi:nil="true"/>
+    <TPClientViewer xmlns="4873beb7-5857-4685-be1f-d57550cc96cc" xsi:nil="true"/>
+    <TemplateStatus xmlns="4873beb7-5857-4685-be1f-d57550cc96cc">Complete</TemplateStatus>
+    <Downloads xmlns="4873beb7-5857-4685-be1f-d57550cc96cc">0</Downloads>
+    <OOCacheId xmlns="4873beb7-5857-4685-be1f-d57550cc96cc" xsi:nil="true"/>
+    <IsDeleted xmlns="4873beb7-5857-4685-be1f-d57550cc96cc">false</IsDeleted>
+    <LocPublishedDependentAssetsLookup xmlns="4873beb7-5857-4685-be1f-d57550cc96cc" xsi:nil="true"/>
+    <TPExecutable xmlns="4873beb7-5857-4685-be1f-d57550cc96cc" xsi:nil="true"/>
+    <EditorialTags xmlns="4873beb7-5857-4685-be1f-d57550cc96cc" xsi:nil="true"/>
+    <SubmitterId xmlns="4873beb7-5857-4685-be1f-d57550cc96cc" xsi:nil="true"/>
+    <ApprovalLog xmlns="4873beb7-5857-4685-be1f-d57550cc96cc" xsi:nil="true"/>
+    <AssetType xmlns="4873beb7-5857-4685-be1f-d57550cc96cc">TP</AssetType>
+    <BugNumber xmlns="4873beb7-5857-4685-be1f-d57550cc96cc" xsi:nil="true"/>
+    <CSXSubmissionDate xmlns="4873beb7-5857-4685-be1f-d57550cc96cc" xsi:nil="true"/>
+    <CSXUpdate xmlns="4873beb7-5857-4685-be1f-d57550cc96cc">false</CSXUpdate>
+    <Milestone xmlns="4873beb7-5857-4685-be1f-d57550cc96cc" xsi:nil="true"/>
+    <RecommendationsModifier xmlns="4873beb7-5857-4685-be1f-d57550cc96cc" xsi:nil="true"/>
+    <OriginAsset xmlns="4873beb7-5857-4685-be1f-d57550cc96cc" xsi:nil="true"/>
+    <TPComponent xmlns="4873beb7-5857-4685-be1f-d57550cc96cc" xsi:nil="true"/>
+    <AssetId xmlns="4873beb7-5857-4685-be1f-d57550cc96cc">TP102787989</AssetId>
+    <IntlLocPriority xmlns="4873beb7-5857-4685-be1f-d57550cc96cc" xsi:nil="true"/>
+    <PolicheckWords xmlns="4873beb7-5857-4685-be1f-d57550cc96cc" xsi:nil="true"/>
+    <TPLaunchHelpLink xmlns="4873beb7-5857-4685-be1f-d57550cc96cc" xsi:nil="true"/>
+    <TPApplication xmlns="4873beb7-5857-4685-be1f-d57550cc96cc" xsi:nil="true"/>
+    <CrawlForDependencies xmlns="4873beb7-5857-4685-be1f-d57550cc96cc">false</CrawlForDependencies>
+    <HandoffToMSDN xmlns="4873beb7-5857-4685-be1f-d57550cc96cc" xsi:nil="true"/>
+    <PlannedPubDate xmlns="4873beb7-5857-4685-be1f-d57550cc96cc" xsi:nil="true"/>
+    <IntlLangReviewer xmlns="4873beb7-5857-4685-be1f-d57550cc96cc" xsi:nil="true"/>
+    <TrustLevel xmlns="4873beb7-5857-4685-be1f-d57550cc96cc">1 Microsoft Managed Content</TrustLevel>
+    <LocLastLocAttemptVersionLookup xmlns="4873beb7-5857-4685-be1f-d57550cc96cc">694266</LocLastLocAttemptVersionLookup>
+    <LocProcessedForHandoffsLookup xmlns="4873beb7-5857-4685-be1f-d57550cc96cc" xsi:nil="true"/>
+    <IsSearchable xmlns="4873beb7-5857-4685-be1f-d57550cc96cc">true</IsSearchable>
+    <TemplateTemplateType xmlns="4873beb7-5857-4685-be1f-d57550cc96cc">PowerPoint Presentation Template</TemplateTemplateType>
+    <CampaignTagsTaxHTField0 xmlns="4873beb7-5857-4685-be1f-d57550cc96cc">
+      <Terms xmlns="http://schemas.microsoft.com/office/infopath/2007/PartnerControls"/>
+    </CampaignTagsTaxHTField0>
+    <TPNamespace xmlns="4873beb7-5857-4685-be1f-d57550cc96cc" xsi:nil="true"/>
+    <LocOverallPreviewStatusLookup xmlns="4873beb7-5857-4685-be1f-d57550cc96cc" xsi:nil="true"/>
+    <TaxCatchAll xmlns="4873beb7-5857-4685-be1f-d57550cc96cc"/>
+    <Markets xmlns="4873beb7-5857-4685-be1f-d57550cc96cc"/>
+    <UAProjectedTotalWords xmlns="4873beb7-5857-4685-be1f-d57550cc96cc" xsi:nil="true"/>
+    <IntlLangReview xmlns="4873beb7-5857-4685-be1f-d57550cc96cc" xsi:nil="true"/>
+    <OutputCachingOn xmlns="4873beb7-5857-4685-be1f-d57550cc96cc">false</OutputCachingOn>
+    <AverageRating xmlns="4873beb7-5857-4685-be1f-d57550cc96cc" xsi:nil="true"/>
+    <APAuthor xmlns="4873beb7-5857-4685-be1f-d57550cc96cc">
+      <UserInfo>
+        <DisplayName>REDMOND\kristaa</DisplayName>
+        <AccountId>136</AccountId>
+        <AccountType/>
+      </UserInfo>
+    </APAuthor>
+    <LocManualTestRequired xmlns="4873beb7-5857-4685-be1f-d57550cc96cc">false</LocManualTestRequired>
+    <TPCommandLine xmlns="4873beb7-5857-4685-be1f-d57550cc96cc" xsi:nil="true"/>
+    <TPAppVersion xmlns="4873beb7-5857-4685-be1f-d57550cc96cc" xsi:nil="true"/>
+    <EditorialStatus xmlns="4873beb7-5857-4685-be1f-d57550cc96cc">Complete</EditorialStatus>
+    <LastModifiedDateTime xmlns="4873beb7-5857-4685-be1f-d57550cc96cc" xsi:nil="true"/>
+    <ScenarioTagsTaxHTField0 xmlns="4873beb7-5857-4685-be1f-d57550cc96cc">
+      <Terms xmlns="http://schemas.microsoft.com/office/infopath/2007/PartnerControls"/>
+    </ScenarioTagsTaxHTField0>
+    <LocProcessedForMarketsLookup xmlns="4873beb7-5857-4685-be1f-d57550cc96cc" xsi:nil="true"/>
+    <TPLaunchHelpLinkType xmlns="4873beb7-5857-4685-be1f-d57550cc96cc">Template</TPLaunchHelpLinkType>
+    <OriginalRelease xmlns="4873beb7-5857-4685-be1f-d57550cc96cc">15</OriginalRelease>
+    <LocalizationTagsTaxHTField0 xmlns="4873beb7-5857-4685-be1f-d57550cc96cc">
+      <Terms xmlns="http://schemas.microsoft.com/office/infopath/2007/PartnerControls"/>
+    </LocalizationTagsTaxHTField0>
+    <UACurrentWords xmlns="4873beb7-5857-4685-be1f-d57550cc96cc" xsi:nil="true"/>
+    <ArtSampleDocs xmlns="4873beb7-5857-4685-be1f-d57550cc96cc" xsi:nil="true"/>
+    <UALocRecommendation xmlns="4873beb7-5857-4685-be1f-d57550cc96cc">Localize</UALocRecommendation>
+    <Manager xmlns="4873beb7-5857-4685-be1f-d57550cc96cc" xsi:nil="true"/>
+    <LocOverallHandbackStatusLookup xmlns="4873beb7-5857-4685-be1f-d57550cc96cc" xsi:nil="true"/>
+    <ShowIn xmlns="4873beb7-5857-4685-be1f-d57550cc96cc">Show everywhere</ShowIn>
+    <UANotes xmlns="4873beb7-5857-4685-be1f-d57550cc96cc" xsi:nil="true"/>
+    <InternalTagsTaxHTField0 xmlns="4873beb7-5857-4685-be1f-d57550cc96cc">
+      <Terms xmlns="http://schemas.microsoft.com/office/infopath/2007/PartnerControls"/>
+    </InternalTagsTaxHTField0>
+    <CSXHash xmlns="4873beb7-5857-4685-be1f-d57550cc96cc" xsi:nil="true"/>
+    <VoteCount xmlns="4873beb7-5857-4685-be1f-d57550cc96cc" xsi:nil="true"/>
+    <AssetExpire xmlns="4873beb7-5857-4685-be1f-d57550cc96cc">2029-05-12T07:00:00+00:00</AssetExpire>
+    <DSATActionTaken xmlns="4873beb7-5857-4685-be1f-d57550cc96cc" xsi:nil="true"/>
+    <CSXSubmissionMarket xmlns="4873beb7-5857-4685-be1f-d57550cc96cc" xsi:nil="true"/>
+    <LocMarketGroupTiers2 xmlns="4873beb7-5857-4685-be1f-d57550cc96cc" xsi:nil="true"/>
+  </documentManagement>
+</p:properties>
 </file>
 
 <file path=customXml/itemProps1.xml><?xml version="1.0" encoding="utf-8"?>
-<ds:datastoreItem xmlns:ds="http://schemas.openxmlformats.org/officeDocument/2006/customXml" ds:itemID="{60C67BEE-D13F-4BD2-98A5-34D8A0977F68}">
+<ds:datastoreItem xmlns:ds="http://schemas.openxmlformats.org/officeDocument/2006/customXml" ds:itemID="{3836F65B-1B07-41EE-A0E8-BC6EF3855225}">
   <ds:schemaRefs>
-    <ds:schemaRef ds:uri="4873beb7-5857-4685-be1f-d57550cc96cc"/>
-    <ds:schemaRef ds:uri="http://schemas.openxmlformats.org/package/2006/metadata/core-properties"/>
-    <ds:schemaRef ds:uri="http://purl.org/dc/terms/"/>
-    <ds:schemaRef ds:uri="http://schemas.microsoft.com/office/2006/documentManagement/types"/>
-    <ds:schemaRef ds:uri="http://purl.org/dc/elements/1.1/"/>
-    <ds:schemaRef ds:uri="http://schemas.microsoft.com/office/2006/metadata/properties"/>
-    <ds:schemaRef ds:uri="http://schemas.microsoft.com/office/infopath/2007/PartnerControls"/>
-    <ds:schemaRef ds:uri="http://www.w3.org/XML/1998/namespace"/>
-    <ds:schemaRef ds:uri="http://purl.org/dc/dcmitype/"/>
+    <ds:schemaRef ds:uri="http://schemas.microsoft.com/sharepoint/v3/contenttype/forms"/>
   </ds:schemaRefs>
 </ds:datastoreItem>
 </file>
@@ -10313,9 +10312,17 @@
 </file>
 
 <file path=customXml/itemProps3.xml><?xml version="1.0" encoding="utf-8"?>
-<ds:datastoreItem xmlns:ds="http://schemas.openxmlformats.org/officeDocument/2006/customXml" ds:itemID="{3836F65B-1B07-41EE-A0E8-BC6EF3855225}">
+<ds:datastoreItem xmlns:ds="http://schemas.openxmlformats.org/officeDocument/2006/customXml" ds:itemID="{60C67BEE-D13F-4BD2-98A5-34D8A0977F68}">
   <ds:schemaRefs>
-    <ds:schemaRef ds:uri="http://schemas.microsoft.com/sharepoint/v3/contenttype/forms"/>
+    <ds:schemaRef ds:uri="4873beb7-5857-4685-be1f-d57550cc96cc"/>
+    <ds:schemaRef ds:uri="http://schemas.openxmlformats.org/package/2006/metadata/core-properties"/>
+    <ds:schemaRef ds:uri="http://purl.org/dc/terms/"/>
+    <ds:schemaRef ds:uri="http://schemas.microsoft.com/office/2006/documentManagement/types"/>
+    <ds:schemaRef ds:uri="http://purl.org/dc/elements/1.1/"/>
+    <ds:schemaRef ds:uri="http://schemas.microsoft.com/office/2006/metadata/properties"/>
+    <ds:schemaRef ds:uri="http://schemas.microsoft.com/office/infopath/2007/PartnerControls"/>
+    <ds:schemaRef ds:uri="http://www.w3.org/XML/1998/namespace"/>
+    <ds:schemaRef ds:uri="http://purl.org/dc/dcmitype/"/>
   </ds:schemaRefs>
 </ds:datastoreItem>
 </file>